--- a/images/images.pptx
+++ b/images/images.pptx
@@ -9,6 +9,8 @@
     <p:sldId id="257" r:id="rId4"/>
     <p:sldId id="258" r:id="rId5"/>
     <p:sldId id="259" r:id="rId6"/>
+    <p:sldId id="260" r:id="rId7"/>
+    <p:sldId id="261" r:id="rId8"/>
   </p:sldIdLst>
   <p:sldSz cx="12192000" cy="6858000"/>
   <p:notesSz cx="7103745" cy="10234295"/>
@@ -7640,16 +7642,16 @@
       <p:grpSpPr/>
       <p:grpSp>
         <p:nvGrpSpPr>
-          <p:cNvPr id="50" name="Group 49"/>
+          <p:cNvPr id="7" name="Group 6"/>
           <p:cNvGrpSpPr/>
           <p:nvPr/>
         </p:nvGrpSpPr>
         <p:grpSpPr>
           <a:xfrm>
-            <a:off x="2289810" y="1443990"/>
-            <a:ext cx="7080250" cy="4210685"/>
-            <a:chOff x="3606" y="2274"/>
-            <a:chExt cx="11150" cy="6631"/>
+            <a:off x="2289810" y="1539240"/>
+            <a:ext cx="7080885" cy="4115435"/>
+            <a:chOff x="3606" y="2424"/>
+            <a:chExt cx="11151" cy="6481"/>
           </a:xfrm>
         </p:grpSpPr>
         <p:sp>
@@ -7660,8 +7662,8 @@
           </p:nvSpPr>
           <p:spPr>
             <a:xfrm>
-              <a:off x="12462" y="2916"/>
-              <a:ext cx="1198" cy="749"/>
+              <a:off x="12462" y="2785"/>
+              <a:ext cx="2295" cy="1012"/>
             </a:xfrm>
             <a:prstGeom prst="roundRect">
               <a:avLst/>
@@ -7689,7 +7691,7 @@
               <a:pPr algn="ctr"/>
               <a:r>
                 <a:rPr lang="en-US" sz="1400"/>
-                <a:t>S</a:t>
+                <a:t>Sentence Representation</a:t>
               </a:r>
               <a:endParaRPr lang="en-US" sz="1400" baseline="-25000"/>
             </a:p>
@@ -7718,7 +7720,7 @@
             <a:p>
               <a:r>
                 <a:rPr lang="en-US" sz="1200"/>
-                <a:t>Figure 3: Multi-Features Encoder</a:t>
+                <a:t>Figure 4: Multi-Features Encoder</a:t>
               </a:r>
               <a:endParaRPr lang="en-US" sz="1200"/>
             </a:p>
@@ -8734,24 +8736,24 @@
         </p:cxnSp>
         <p:sp>
           <p:nvSpPr>
-            <p:cNvPr id="49" name="Freeform 48"/>
+            <p:cNvPr id="6" name="Freeform 5"/>
             <p:cNvSpPr/>
             <p:nvPr/>
           </p:nvSpPr>
           <p:spPr>
             <a:xfrm>
-              <a:off x="9729" y="2274"/>
-              <a:ext cx="3335" cy="646"/>
+              <a:off x="10396" y="2424"/>
+              <a:ext cx="2046" cy="864"/>
             </a:xfrm>
             <a:custGeom>
               <a:avLst/>
               <a:gdLst>
-                <a:gd name="connisteX0" fmla="*/ 0 w 2117725"/>
-                <a:gd name="connsiteY0" fmla="*/ 410210 h 410210"/>
-                <a:gd name="connisteX1" fmla="*/ 964565 w 2117725"/>
-                <a:gd name="connsiteY1" fmla="*/ 0 h 410210"/>
-                <a:gd name="connisteX2" fmla="*/ 2117725 w 2117725"/>
-                <a:gd name="connsiteY2" fmla="*/ 410210 h 410210"/>
+                <a:gd name="connisteX0" fmla="*/ 0 w 1299210"/>
+                <a:gd name="connsiteY0" fmla="*/ 548651 h 548651"/>
+                <a:gd name="connisteX1" fmla="*/ 631825 w 1299210"/>
+                <a:gd name="connsiteY1" fmla="*/ 11 h 548651"/>
+                <a:gd name="connisteX2" fmla="*/ 1299210 w 1299210"/>
+                <a:gd name="connsiteY2" fmla="*/ 536586 h 548651"/>
               </a:gdLst>
               <a:ahLst/>
               <a:cxnLst>
@@ -8767,19 +8769,19 @@
               </a:cxnLst>
               <a:rect l="l" t="t" r="r" b="b"/>
               <a:pathLst>
-                <a:path w="2117725" h="410210">
+                <a:path w="1299210" h="548651">
                   <a:moveTo>
-                    <a:pt x="0" y="410210"/>
+                    <a:pt x="0" y="548651"/>
                   </a:moveTo>
                   <a:cubicBezTo>
-                    <a:pt x="169545" y="320040"/>
-                    <a:pt x="541020" y="0"/>
-                    <a:pt x="964565" y="0"/>
+                    <a:pt x="113030" y="428001"/>
+                    <a:pt x="372110" y="2551"/>
+                    <a:pt x="631825" y="11"/>
                   </a:cubicBezTo>
                   <a:cubicBezTo>
-                    <a:pt x="1388110" y="0"/>
-                    <a:pt x="1906270" y="320040"/>
-                    <a:pt x="2117725" y="410210"/>
+                    <a:pt x="891540" y="-2529"/>
+                    <a:pt x="1178560" y="418476"/>
+                    <a:pt x="1299210" y="536586"/>
                   </a:cubicBezTo>
                 </a:path>
               </a:pathLst>
@@ -8807,6 +8809,2232 @@
             </a:p>
           </p:txBody>
         </p:sp>
+      </p:grpSp>
+    </p:spTree>
+  </p:cSld>
+  <p:clrMapOvr>
+    <a:masterClrMapping/>
+  </p:clrMapOvr>
+</p:sld>
+</file>
+
+<file path=ppt/slides/slide5.xml><?xml version="1.0" encoding="utf-8"?>
+<p:sld xmlns:a="http://schemas.openxmlformats.org/drawingml/2006/main" xmlns:r="http://schemas.openxmlformats.org/officeDocument/2006/relationships" xmlns:p="http://schemas.openxmlformats.org/presentationml/2006/main">
+  <p:cSld>
+    <p:spTree>
+      <p:nvGrpSpPr>
+        <p:cNvPr id="1" name=""/>
+        <p:cNvGrpSpPr/>
+        <p:nvPr/>
+      </p:nvGrpSpPr>
+      <p:grpSpPr/>
+      <p:grpSp>
+        <p:nvGrpSpPr>
+          <p:cNvPr id="57" name="Group 56"/>
+          <p:cNvGrpSpPr/>
+          <p:nvPr/>
+        </p:nvGrpSpPr>
+        <p:grpSpPr>
+          <a:xfrm>
+            <a:off x="3237230" y="2069465"/>
+            <a:ext cx="4296410" cy="3491230"/>
+            <a:chOff x="5098" y="3259"/>
+            <a:chExt cx="6766" cy="5498"/>
+          </a:xfrm>
+        </p:grpSpPr>
+        <p:sp>
+          <p:nvSpPr>
+            <p:cNvPr id="4" name="Text Box 3"/>
+            <p:cNvSpPr txBox="1"/>
+            <p:nvPr/>
+          </p:nvSpPr>
+          <p:spPr>
+            <a:xfrm>
+              <a:off x="7154" y="8323"/>
+              <a:ext cx="2636" cy="434"/>
+            </a:xfrm>
+            <a:prstGeom prst="rect">
+              <a:avLst/>
+            </a:prstGeom>
+            <a:noFill/>
+          </p:spPr>
+          <p:txBody>
+            <a:bodyPr wrap="square" rtlCol="0">
+              <a:spAutoFit/>
+            </a:bodyPr>
+            <a:p>
+              <a:r>
+                <a:rPr lang="en-US" sz="1200"/>
+                <a:t>Figure 5: RethinkNet</a:t>
+              </a:r>
+              <a:endParaRPr lang="en-US" sz="1200"/>
+            </a:p>
+          </p:txBody>
+        </p:sp>
+        <p:sp>
+          <p:nvSpPr>
+            <p:cNvPr id="2" name="Rounded Rectangle 1"/>
+            <p:cNvSpPr/>
+            <p:nvPr/>
+          </p:nvSpPr>
+          <p:spPr>
+            <a:xfrm>
+              <a:off x="5098" y="4474"/>
+              <a:ext cx="1344" cy="667"/>
+            </a:xfrm>
+            <a:prstGeom prst="roundRect">
+              <a:avLst/>
+            </a:prstGeom>
+          </p:spPr>
+          <p:style>
+            <a:lnRef idx="2">
+              <a:schemeClr val="accent5">
+                <a:shade val="50000"/>
+              </a:schemeClr>
+            </a:lnRef>
+            <a:fillRef idx="1">
+              <a:schemeClr val="accent5"/>
+            </a:fillRef>
+            <a:effectRef idx="0">
+              <a:schemeClr val="accent5"/>
+            </a:effectRef>
+            <a:fontRef idx="minor">
+              <a:schemeClr val="lt1"/>
+            </a:fontRef>
+          </p:style>
+          <p:txBody>
+            <a:bodyPr rtlCol="0" anchor="ctr"/>
+            <a:p>
+              <a:pPr algn="ctr"/>
+              <a:r>
+                <a:rPr lang="en-US" sz="1400"/>
+                <a:t>GRU</a:t>
+              </a:r>
+              <a:endParaRPr lang="en-US" sz="1400" baseline="-25000"/>
+            </a:p>
+          </p:txBody>
+        </p:sp>
+        <p:sp>
+          <p:nvSpPr>
+            <p:cNvPr id="12" name="Rounded Rectangle 11"/>
+            <p:cNvSpPr/>
+            <p:nvPr/>
+          </p:nvSpPr>
+          <p:spPr>
+            <a:xfrm>
+              <a:off x="7533" y="5554"/>
+              <a:ext cx="1878" cy="553"/>
+            </a:xfrm>
+            <a:prstGeom prst="roundRect">
+              <a:avLst/>
+            </a:prstGeom>
+          </p:spPr>
+          <p:style>
+            <a:lnRef idx="2">
+              <a:schemeClr val="accent1">
+                <a:shade val="50000"/>
+              </a:schemeClr>
+            </a:lnRef>
+            <a:fillRef idx="1">
+              <a:schemeClr val="accent1"/>
+            </a:fillRef>
+            <a:effectRef idx="0">
+              <a:schemeClr val="accent1"/>
+            </a:effectRef>
+            <a:fontRef idx="minor">
+              <a:schemeClr val="lt1"/>
+            </a:fontRef>
+          </p:style>
+          <p:txBody>
+            <a:bodyPr rtlCol="0" anchor="ctr"/>
+            <a:p>
+              <a:pPr algn="ctr"/>
+              <a:r>
+                <a:rPr lang="en-US" sz="1400"/>
+                <a:t>Rep</a:t>
+              </a:r>
+              <a:endParaRPr lang="en-US" sz="1400"/>
+            </a:p>
+          </p:txBody>
+        </p:sp>
+        <p:cxnSp>
+          <p:nvCxnSpPr>
+            <p:cNvPr id="14" name="Straight Connector 13"/>
+            <p:cNvCxnSpPr>
+              <a:stCxn id="2" idx="2"/>
+              <a:endCxn id="12" idx="0"/>
+            </p:cNvCxnSpPr>
+            <p:nvPr/>
+          </p:nvCxnSpPr>
+          <p:spPr>
+            <a:xfrm>
+              <a:off x="5770" y="5141"/>
+              <a:ext cx="2702" cy="413"/>
+            </a:xfrm>
+            <a:prstGeom prst="line">
+              <a:avLst/>
+            </a:prstGeom>
+          </p:spPr>
+          <p:style>
+            <a:lnRef idx="1">
+              <a:schemeClr val="dk1"/>
+            </a:lnRef>
+            <a:fillRef idx="0">
+              <a:schemeClr val="dk1"/>
+            </a:fillRef>
+            <a:effectRef idx="0">
+              <a:schemeClr val="dk1"/>
+            </a:effectRef>
+            <a:fontRef idx="minor">
+              <a:schemeClr val="tx1"/>
+            </a:fontRef>
+          </p:style>
+        </p:cxnSp>
+        <p:sp>
+          <p:nvSpPr>
+            <p:cNvPr id="5" name="Rounded Rectangle 4"/>
+            <p:cNvSpPr/>
+            <p:nvPr/>
+          </p:nvSpPr>
+          <p:spPr>
+            <a:xfrm>
+              <a:off x="6899" y="4474"/>
+              <a:ext cx="1344" cy="667"/>
+            </a:xfrm>
+            <a:prstGeom prst="roundRect">
+              <a:avLst/>
+            </a:prstGeom>
+          </p:spPr>
+          <p:style>
+            <a:lnRef idx="2">
+              <a:schemeClr val="accent5">
+                <a:shade val="50000"/>
+              </a:schemeClr>
+            </a:lnRef>
+            <a:fillRef idx="1">
+              <a:schemeClr val="accent5"/>
+            </a:fillRef>
+            <a:effectRef idx="0">
+              <a:schemeClr val="accent5"/>
+            </a:effectRef>
+            <a:fontRef idx="minor">
+              <a:schemeClr val="lt1"/>
+            </a:fontRef>
+          </p:style>
+          <p:txBody>
+            <a:bodyPr rtlCol="0" anchor="ctr"/>
+            <a:p>
+              <a:pPr algn="ctr"/>
+              <a:r>
+                <a:rPr lang="en-US" sz="1400"/>
+                <a:t>GRU</a:t>
+              </a:r>
+              <a:endParaRPr lang="en-US" sz="1400" baseline="-25000"/>
+            </a:p>
+          </p:txBody>
+        </p:sp>
+        <p:sp>
+          <p:nvSpPr>
+            <p:cNvPr id="8" name="Rounded Rectangle 7"/>
+            <p:cNvSpPr/>
+            <p:nvPr/>
+          </p:nvSpPr>
+          <p:spPr>
+            <a:xfrm>
+              <a:off x="8701" y="4474"/>
+              <a:ext cx="1344" cy="667"/>
+            </a:xfrm>
+            <a:prstGeom prst="roundRect">
+              <a:avLst/>
+            </a:prstGeom>
+          </p:spPr>
+          <p:style>
+            <a:lnRef idx="2">
+              <a:schemeClr val="accent5">
+                <a:shade val="50000"/>
+              </a:schemeClr>
+            </a:lnRef>
+            <a:fillRef idx="1">
+              <a:schemeClr val="accent5"/>
+            </a:fillRef>
+            <a:effectRef idx="0">
+              <a:schemeClr val="accent5"/>
+            </a:effectRef>
+            <a:fontRef idx="minor">
+              <a:schemeClr val="lt1"/>
+            </a:fontRef>
+          </p:style>
+          <p:txBody>
+            <a:bodyPr rtlCol="0" anchor="ctr"/>
+            <a:p>
+              <a:pPr algn="ctr"/>
+              <a:r>
+                <a:rPr lang="en-US" sz="1400"/>
+                <a:t>GRU</a:t>
+              </a:r>
+              <a:endParaRPr lang="en-US" sz="1400" baseline="-25000"/>
+            </a:p>
+          </p:txBody>
+        </p:sp>
+        <p:sp>
+          <p:nvSpPr>
+            <p:cNvPr id="15" name="Rounded Rectangle 14"/>
+            <p:cNvSpPr/>
+            <p:nvPr/>
+          </p:nvSpPr>
+          <p:spPr>
+            <a:xfrm>
+              <a:off x="10520" y="4474"/>
+              <a:ext cx="1344" cy="667"/>
+            </a:xfrm>
+            <a:prstGeom prst="roundRect">
+              <a:avLst/>
+            </a:prstGeom>
+          </p:spPr>
+          <p:style>
+            <a:lnRef idx="2">
+              <a:schemeClr val="accent5">
+                <a:shade val="50000"/>
+              </a:schemeClr>
+            </a:lnRef>
+            <a:fillRef idx="1">
+              <a:schemeClr val="accent5"/>
+            </a:fillRef>
+            <a:effectRef idx="0">
+              <a:schemeClr val="accent5"/>
+            </a:effectRef>
+            <a:fontRef idx="minor">
+              <a:schemeClr val="lt1"/>
+            </a:fontRef>
+          </p:style>
+          <p:txBody>
+            <a:bodyPr rtlCol="0" anchor="ctr"/>
+            <a:p>
+              <a:pPr algn="ctr"/>
+              <a:r>
+                <a:rPr lang="en-US" sz="1400"/>
+                <a:t>GRU</a:t>
+              </a:r>
+              <a:endParaRPr lang="en-US" sz="1400" baseline="-25000"/>
+            </a:p>
+          </p:txBody>
+        </p:sp>
+        <p:cxnSp>
+          <p:nvCxnSpPr>
+            <p:cNvPr id="25" name="Straight Arrow Connector 24"/>
+            <p:cNvCxnSpPr>
+              <a:stCxn id="2" idx="3"/>
+              <a:endCxn id="5" idx="1"/>
+            </p:cNvCxnSpPr>
+            <p:nvPr/>
+          </p:nvCxnSpPr>
+          <p:spPr>
+            <a:xfrm>
+              <a:off x="6442" y="4827"/>
+              <a:ext cx="457" cy="0"/>
+            </a:xfrm>
+            <a:prstGeom prst="straightConnector1">
+              <a:avLst/>
+            </a:prstGeom>
+            <a:ln>
+              <a:tailEnd type="arrow" w="med" len="med"/>
+            </a:ln>
+          </p:spPr>
+          <p:style>
+            <a:lnRef idx="1">
+              <a:schemeClr val="dk1"/>
+            </a:lnRef>
+            <a:fillRef idx="0">
+              <a:schemeClr val="dk1"/>
+            </a:fillRef>
+            <a:effectRef idx="0">
+              <a:schemeClr val="dk1"/>
+            </a:effectRef>
+            <a:fontRef idx="minor">
+              <a:schemeClr val="tx1"/>
+            </a:fontRef>
+          </p:style>
+        </p:cxnSp>
+        <p:cxnSp>
+          <p:nvCxnSpPr>
+            <p:cNvPr id="26" name="Straight Arrow Connector 25"/>
+            <p:cNvCxnSpPr>
+              <a:stCxn id="5" idx="3"/>
+              <a:endCxn id="8" idx="1"/>
+            </p:cNvCxnSpPr>
+            <p:nvPr/>
+          </p:nvCxnSpPr>
+          <p:spPr>
+            <a:xfrm>
+              <a:off x="8243" y="4827"/>
+              <a:ext cx="458" cy="0"/>
+            </a:xfrm>
+            <a:prstGeom prst="straightConnector1">
+              <a:avLst/>
+            </a:prstGeom>
+            <a:ln>
+              <a:tailEnd type="arrow" w="med" len="med"/>
+            </a:ln>
+          </p:spPr>
+          <p:style>
+            <a:lnRef idx="1">
+              <a:schemeClr val="dk1"/>
+            </a:lnRef>
+            <a:fillRef idx="0">
+              <a:schemeClr val="dk1"/>
+            </a:fillRef>
+            <a:effectRef idx="0">
+              <a:schemeClr val="dk1"/>
+            </a:effectRef>
+            <a:fontRef idx="minor">
+              <a:schemeClr val="tx1"/>
+            </a:fontRef>
+          </p:style>
+        </p:cxnSp>
+        <p:cxnSp>
+          <p:nvCxnSpPr>
+            <p:cNvPr id="30" name="Straight Arrow Connector 29"/>
+            <p:cNvCxnSpPr>
+              <a:stCxn id="8" idx="3"/>
+              <a:endCxn id="15" idx="1"/>
+            </p:cNvCxnSpPr>
+            <p:nvPr/>
+          </p:nvCxnSpPr>
+          <p:spPr>
+            <a:xfrm>
+              <a:off x="10045" y="4827"/>
+              <a:ext cx="475" cy="0"/>
+            </a:xfrm>
+            <a:prstGeom prst="straightConnector1">
+              <a:avLst/>
+            </a:prstGeom>
+            <a:ln>
+              <a:tailEnd type="arrow" w="med" len="med"/>
+            </a:ln>
+          </p:spPr>
+          <p:style>
+            <a:lnRef idx="1">
+              <a:schemeClr val="dk1"/>
+            </a:lnRef>
+            <a:fillRef idx="0">
+              <a:schemeClr val="dk1"/>
+            </a:fillRef>
+            <a:effectRef idx="0">
+              <a:schemeClr val="dk1"/>
+            </a:effectRef>
+            <a:fontRef idx="minor">
+              <a:schemeClr val="tx1"/>
+            </a:fontRef>
+          </p:style>
+        </p:cxnSp>
+        <p:cxnSp>
+          <p:nvCxnSpPr>
+            <p:cNvPr id="33" name="Straight Connector 32"/>
+            <p:cNvCxnSpPr>
+              <a:stCxn id="12" idx="0"/>
+              <a:endCxn id="5" idx="2"/>
+            </p:cNvCxnSpPr>
+            <p:nvPr/>
+          </p:nvCxnSpPr>
+          <p:spPr>
+            <a:xfrm flipH="1" flipV="1">
+              <a:off x="7571" y="5141"/>
+              <a:ext cx="901" cy="413"/>
+            </a:xfrm>
+            <a:prstGeom prst="line">
+              <a:avLst/>
+            </a:prstGeom>
+          </p:spPr>
+          <p:style>
+            <a:lnRef idx="1">
+              <a:schemeClr val="dk1"/>
+            </a:lnRef>
+            <a:fillRef idx="0">
+              <a:schemeClr val="dk1"/>
+            </a:fillRef>
+            <a:effectRef idx="0">
+              <a:schemeClr val="dk1"/>
+            </a:effectRef>
+            <a:fontRef idx="minor">
+              <a:schemeClr val="tx1"/>
+            </a:fontRef>
+          </p:style>
+        </p:cxnSp>
+        <p:cxnSp>
+          <p:nvCxnSpPr>
+            <p:cNvPr id="37" name="Straight Connector 36"/>
+            <p:cNvCxnSpPr>
+              <a:stCxn id="8" idx="2"/>
+              <a:endCxn id="12" idx="0"/>
+            </p:cNvCxnSpPr>
+            <p:nvPr/>
+          </p:nvCxnSpPr>
+          <p:spPr>
+            <a:xfrm flipH="1">
+              <a:off x="8472" y="5141"/>
+              <a:ext cx="901" cy="413"/>
+            </a:xfrm>
+            <a:prstGeom prst="line">
+              <a:avLst/>
+            </a:prstGeom>
+          </p:spPr>
+          <p:style>
+            <a:lnRef idx="1">
+              <a:schemeClr val="dk1"/>
+            </a:lnRef>
+            <a:fillRef idx="0">
+              <a:schemeClr val="dk1"/>
+            </a:fillRef>
+            <a:effectRef idx="0">
+              <a:schemeClr val="dk1"/>
+            </a:effectRef>
+            <a:fontRef idx="minor">
+              <a:schemeClr val="tx1"/>
+            </a:fontRef>
+          </p:style>
+        </p:cxnSp>
+        <p:cxnSp>
+          <p:nvCxnSpPr>
+            <p:cNvPr id="38" name="Straight Connector 37"/>
+            <p:cNvCxnSpPr>
+              <a:stCxn id="15" idx="2"/>
+              <a:endCxn id="12" idx="0"/>
+            </p:cNvCxnSpPr>
+            <p:nvPr/>
+          </p:nvCxnSpPr>
+          <p:spPr>
+            <a:xfrm flipH="1">
+              <a:off x="8472" y="5141"/>
+              <a:ext cx="2720" cy="413"/>
+            </a:xfrm>
+            <a:prstGeom prst="line">
+              <a:avLst/>
+            </a:prstGeom>
+          </p:spPr>
+          <p:style>
+            <a:lnRef idx="1">
+              <a:schemeClr val="dk1"/>
+            </a:lnRef>
+            <a:fillRef idx="0">
+              <a:schemeClr val="dk1"/>
+            </a:fillRef>
+            <a:effectRef idx="0">
+              <a:schemeClr val="dk1"/>
+            </a:effectRef>
+            <a:fontRef idx="minor">
+              <a:schemeClr val="tx1"/>
+            </a:fontRef>
+          </p:style>
+        </p:cxnSp>
+        <p:sp>
+          <p:nvSpPr>
+            <p:cNvPr id="39" name="Rounded Rectangle 38"/>
+            <p:cNvSpPr/>
+            <p:nvPr/>
+          </p:nvSpPr>
+          <p:spPr>
+            <a:xfrm>
+              <a:off x="7799" y="3259"/>
+              <a:ext cx="1344" cy="667"/>
+            </a:xfrm>
+            <a:prstGeom prst="roundRect">
+              <a:avLst/>
+            </a:prstGeom>
+          </p:spPr>
+          <p:style>
+            <a:lnRef idx="2">
+              <a:schemeClr val="accent5">
+                <a:shade val="50000"/>
+              </a:schemeClr>
+            </a:lnRef>
+            <a:fillRef idx="1">
+              <a:schemeClr val="accent5"/>
+            </a:fillRef>
+            <a:effectRef idx="0">
+              <a:schemeClr val="accent5"/>
+            </a:effectRef>
+            <a:fontRef idx="minor">
+              <a:schemeClr val="lt1"/>
+            </a:fontRef>
+          </p:style>
+          <p:txBody>
+            <a:bodyPr rtlCol="0" anchor="ctr"/>
+            <a:p>
+              <a:pPr algn="ctr"/>
+              <a:r>
+                <a:rPr lang="en-US" sz="1400"/>
+                <a:t>Linear</a:t>
+              </a:r>
+              <a:endParaRPr lang="en-US" sz="1400"/>
+            </a:p>
+          </p:txBody>
+        </p:sp>
+        <p:cxnSp>
+          <p:nvCxnSpPr>
+            <p:cNvPr id="46" name="Straight Connector 45"/>
+            <p:cNvCxnSpPr>
+              <a:stCxn id="2" idx="0"/>
+              <a:endCxn id="39" idx="2"/>
+            </p:cNvCxnSpPr>
+            <p:nvPr/>
+          </p:nvCxnSpPr>
+          <p:spPr>
+            <a:xfrm flipV="1">
+              <a:off x="5770" y="3926"/>
+              <a:ext cx="2701" cy="548"/>
+            </a:xfrm>
+            <a:prstGeom prst="line">
+              <a:avLst/>
+            </a:prstGeom>
+          </p:spPr>
+          <p:style>
+            <a:lnRef idx="1">
+              <a:schemeClr val="dk1"/>
+            </a:lnRef>
+            <a:fillRef idx="0">
+              <a:schemeClr val="dk1"/>
+            </a:fillRef>
+            <a:effectRef idx="0">
+              <a:schemeClr val="dk1"/>
+            </a:effectRef>
+            <a:fontRef idx="minor">
+              <a:schemeClr val="tx1"/>
+            </a:fontRef>
+          </p:style>
+        </p:cxnSp>
+        <p:cxnSp>
+          <p:nvCxnSpPr>
+            <p:cNvPr id="47" name="Straight Connector 46"/>
+            <p:cNvCxnSpPr>
+              <a:stCxn id="5" idx="0"/>
+              <a:endCxn id="39" idx="2"/>
+            </p:cNvCxnSpPr>
+            <p:nvPr/>
+          </p:nvCxnSpPr>
+          <p:spPr>
+            <a:xfrm flipV="1">
+              <a:off x="7571" y="3926"/>
+              <a:ext cx="900" cy="548"/>
+            </a:xfrm>
+            <a:prstGeom prst="line">
+              <a:avLst/>
+            </a:prstGeom>
+          </p:spPr>
+          <p:style>
+            <a:lnRef idx="1">
+              <a:schemeClr val="dk1"/>
+            </a:lnRef>
+            <a:fillRef idx="0">
+              <a:schemeClr val="dk1"/>
+            </a:fillRef>
+            <a:effectRef idx="0">
+              <a:schemeClr val="dk1"/>
+            </a:effectRef>
+            <a:fontRef idx="minor">
+              <a:schemeClr val="tx1"/>
+            </a:fontRef>
+          </p:style>
+        </p:cxnSp>
+        <p:sp>
+          <p:nvSpPr>
+            <p:cNvPr id="48" name="Rounded Rectangle 47"/>
+            <p:cNvSpPr/>
+            <p:nvPr/>
+          </p:nvSpPr>
+          <p:spPr>
+            <a:xfrm>
+              <a:off x="6986" y="6357"/>
+              <a:ext cx="2971" cy="937"/>
+            </a:xfrm>
+            <a:prstGeom prst="roundRect">
+              <a:avLst/>
+            </a:prstGeom>
+          </p:spPr>
+          <p:style>
+            <a:lnRef idx="2">
+              <a:schemeClr val="accent6">
+                <a:shade val="50000"/>
+              </a:schemeClr>
+            </a:lnRef>
+            <a:fillRef idx="1">
+              <a:schemeClr val="accent6"/>
+            </a:fillRef>
+            <a:effectRef idx="0">
+              <a:schemeClr val="accent6"/>
+            </a:effectRef>
+            <a:fontRef idx="minor">
+              <a:schemeClr val="lt1"/>
+            </a:fontRef>
+          </p:style>
+          <p:txBody>
+            <a:bodyPr rtlCol="0" anchor="ctr"/>
+            <a:p>
+              <a:pPr algn="ctr"/>
+              <a:r>
+                <a:rPr lang="en-US" sz="1400"/>
+                <a:t>Multi-Feature Encoder</a:t>
+              </a:r>
+              <a:endParaRPr lang="en-US" sz="1400" baseline="-25000"/>
+            </a:p>
+          </p:txBody>
+        </p:sp>
+        <p:cxnSp>
+          <p:nvCxnSpPr>
+            <p:cNvPr id="49" name="Straight Connector 48"/>
+            <p:cNvCxnSpPr>
+              <a:stCxn id="48" idx="0"/>
+              <a:endCxn id="12" idx="2"/>
+            </p:cNvCxnSpPr>
+            <p:nvPr/>
+          </p:nvCxnSpPr>
+          <p:spPr>
+            <a:xfrm flipV="1">
+              <a:off x="8472" y="6107"/>
+              <a:ext cx="0" cy="250"/>
+            </a:xfrm>
+            <a:prstGeom prst="line">
+              <a:avLst/>
+            </a:prstGeom>
+          </p:spPr>
+          <p:style>
+            <a:lnRef idx="1">
+              <a:schemeClr val="dk1"/>
+            </a:lnRef>
+            <a:fillRef idx="0">
+              <a:schemeClr val="dk1"/>
+            </a:fillRef>
+            <a:effectRef idx="0">
+              <a:schemeClr val="dk1"/>
+            </a:effectRef>
+            <a:fontRef idx="minor">
+              <a:schemeClr val="tx1"/>
+            </a:fontRef>
+          </p:style>
+        </p:cxnSp>
+        <p:sp>
+          <p:nvSpPr>
+            <p:cNvPr id="50" name="Rounded Rectangle 49"/>
+            <p:cNvSpPr/>
+            <p:nvPr/>
+          </p:nvSpPr>
+          <p:spPr>
+            <a:xfrm>
+              <a:off x="7528" y="7612"/>
+              <a:ext cx="1878" cy="553"/>
+            </a:xfrm>
+            <a:prstGeom prst="roundRect">
+              <a:avLst/>
+            </a:prstGeom>
+          </p:spPr>
+          <p:style>
+            <a:lnRef idx="2">
+              <a:schemeClr val="accent1">
+                <a:shade val="50000"/>
+              </a:schemeClr>
+            </a:lnRef>
+            <a:fillRef idx="1">
+              <a:schemeClr val="accent1"/>
+            </a:fillRef>
+            <a:effectRef idx="0">
+              <a:schemeClr val="accent1"/>
+            </a:effectRef>
+            <a:fontRef idx="minor">
+              <a:schemeClr val="lt1"/>
+            </a:fontRef>
+          </p:style>
+          <p:txBody>
+            <a:bodyPr rtlCol="0" anchor="ctr"/>
+            <a:p>
+              <a:pPr algn="ctr"/>
+              <a:r>
+                <a:rPr lang="en-US" sz="1400"/>
+                <a:t>Input</a:t>
+              </a:r>
+              <a:endParaRPr lang="en-US" sz="1400"/>
+            </a:p>
+          </p:txBody>
+        </p:sp>
+        <p:cxnSp>
+          <p:nvCxnSpPr>
+            <p:cNvPr id="51" name="Straight Connector 50"/>
+            <p:cNvCxnSpPr>
+              <a:stCxn id="8" idx="0"/>
+              <a:endCxn id="39" idx="2"/>
+            </p:cNvCxnSpPr>
+            <p:nvPr/>
+          </p:nvCxnSpPr>
+          <p:spPr>
+            <a:xfrm flipH="1" flipV="1">
+              <a:off x="8471" y="3926"/>
+              <a:ext cx="902" cy="548"/>
+            </a:xfrm>
+            <a:prstGeom prst="line">
+              <a:avLst/>
+            </a:prstGeom>
+          </p:spPr>
+          <p:style>
+            <a:lnRef idx="1">
+              <a:schemeClr val="dk1"/>
+            </a:lnRef>
+            <a:fillRef idx="0">
+              <a:schemeClr val="dk1"/>
+            </a:fillRef>
+            <a:effectRef idx="0">
+              <a:schemeClr val="dk1"/>
+            </a:effectRef>
+            <a:fontRef idx="minor">
+              <a:schemeClr val="tx1"/>
+            </a:fontRef>
+          </p:style>
+        </p:cxnSp>
+        <p:cxnSp>
+          <p:nvCxnSpPr>
+            <p:cNvPr id="52" name="Straight Connector 51"/>
+            <p:cNvCxnSpPr>
+              <a:stCxn id="15" idx="0"/>
+              <a:endCxn id="39" idx="2"/>
+            </p:cNvCxnSpPr>
+            <p:nvPr/>
+          </p:nvCxnSpPr>
+          <p:spPr>
+            <a:xfrm flipH="1" flipV="1">
+              <a:off x="8471" y="3926"/>
+              <a:ext cx="2721" cy="548"/>
+            </a:xfrm>
+            <a:prstGeom prst="line">
+              <a:avLst/>
+            </a:prstGeom>
+          </p:spPr>
+          <p:style>
+            <a:lnRef idx="1">
+              <a:schemeClr val="dk1"/>
+            </a:lnRef>
+            <a:fillRef idx="0">
+              <a:schemeClr val="dk1"/>
+            </a:fillRef>
+            <a:effectRef idx="0">
+              <a:schemeClr val="dk1"/>
+            </a:effectRef>
+            <a:fontRef idx="minor">
+              <a:schemeClr val="tx1"/>
+            </a:fontRef>
+          </p:style>
+        </p:cxnSp>
+        <p:cxnSp>
+          <p:nvCxnSpPr>
+            <p:cNvPr id="53" name="Straight Connector 52"/>
+            <p:cNvCxnSpPr>
+              <a:stCxn id="50" idx="0"/>
+              <a:endCxn id="48" idx="2"/>
+            </p:cNvCxnSpPr>
+            <p:nvPr/>
+          </p:nvCxnSpPr>
+          <p:spPr>
+            <a:xfrm flipV="1">
+              <a:off x="8467" y="7294"/>
+              <a:ext cx="5" cy="318"/>
+            </a:xfrm>
+            <a:prstGeom prst="line">
+              <a:avLst/>
+            </a:prstGeom>
+          </p:spPr>
+          <p:style>
+            <a:lnRef idx="1">
+              <a:schemeClr val="dk1"/>
+            </a:lnRef>
+            <a:fillRef idx="0">
+              <a:schemeClr val="dk1"/>
+            </a:fillRef>
+            <a:effectRef idx="0">
+              <a:schemeClr val="dk1"/>
+            </a:effectRef>
+            <a:fontRef idx="minor">
+              <a:schemeClr val="tx1"/>
+            </a:fontRef>
+          </p:style>
+        </p:cxnSp>
+      </p:grpSp>
+    </p:spTree>
+  </p:cSld>
+  <p:clrMapOvr>
+    <a:masterClrMapping/>
+  </p:clrMapOvr>
+</p:sld>
+</file>
+
+<file path=ppt/slides/slide6.xml><?xml version="1.0" encoding="utf-8"?>
+<p:sld xmlns:a="http://schemas.openxmlformats.org/drawingml/2006/main" xmlns:r="http://schemas.openxmlformats.org/officeDocument/2006/relationships" xmlns:p="http://schemas.openxmlformats.org/presentationml/2006/main">
+  <p:cSld>
+    <p:spTree>
+      <p:nvGrpSpPr>
+        <p:cNvPr id="1" name=""/>
+        <p:cNvGrpSpPr/>
+        <p:nvPr/>
+      </p:nvGrpSpPr>
+      <p:grpSpPr/>
+      <p:grpSp>
+        <p:nvGrpSpPr>
+          <p:cNvPr id="44" name="Group 43"/>
+          <p:cNvGrpSpPr/>
+          <p:nvPr/>
+        </p:nvGrpSpPr>
+        <p:grpSpPr>
+          <a:xfrm>
+            <a:off x="270510" y="1901190"/>
+            <a:ext cx="9616440" cy="3659505"/>
+            <a:chOff x="426" y="2994"/>
+            <a:chExt cx="15144" cy="5763"/>
+          </a:xfrm>
+        </p:grpSpPr>
+        <p:sp>
+          <p:nvSpPr>
+            <p:cNvPr id="4" name="Text Box 3"/>
+            <p:cNvSpPr txBox="1"/>
+            <p:nvPr/>
+          </p:nvSpPr>
+          <p:spPr>
+            <a:xfrm>
+              <a:off x="5985" y="8323"/>
+              <a:ext cx="2891" cy="434"/>
+            </a:xfrm>
+            <a:prstGeom prst="rect">
+              <a:avLst/>
+            </a:prstGeom>
+            <a:noFill/>
+          </p:spPr>
+          <p:txBody>
+            <a:bodyPr wrap="square" rtlCol="0">
+              <a:spAutoFit/>
+            </a:bodyPr>
+            <a:p>
+              <a:r>
+                <a:rPr lang="en-US" sz="1200"/>
+                <a:t>Figure 6: SequenceNet</a:t>
+              </a:r>
+              <a:endParaRPr lang="en-US" sz="1200"/>
+            </a:p>
+          </p:txBody>
+        </p:sp>
+        <p:sp>
+          <p:nvSpPr>
+            <p:cNvPr id="2" name="Rounded Rectangle 1"/>
+            <p:cNvSpPr/>
+            <p:nvPr/>
+          </p:nvSpPr>
+          <p:spPr>
+            <a:xfrm>
+              <a:off x="8100" y="4474"/>
+              <a:ext cx="1344" cy="667"/>
+            </a:xfrm>
+            <a:prstGeom prst="roundRect">
+              <a:avLst/>
+            </a:prstGeom>
+          </p:spPr>
+          <p:style>
+            <a:lnRef idx="2">
+              <a:schemeClr val="accent5">
+                <a:shade val="50000"/>
+              </a:schemeClr>
+            </a:lnRef>
+            <a:fillRef idx="1">
+              <a:schemeClr val="accent5"/>
+            </a:fillRef>
+            <a:effectRef idx="0">
+              <a:schemeClr val="accent5"/>
+            </a:effectRef>
+            <a:fontRef idx="minor">
+              <a:schemeClr val="lt1"/>
+            </a:fontRef>
+          </p:style>
+          <p:txBody>
+            <a:bodyPr rtlCol="0" anchor="ctr"/>
+            <a:p>
+              <a:pPr algn="ctr"/>
+              <a:r>
+                <a:rPr lang="en-US" sz="1400"/>
+                <a:t>GRU</a:t>
+              </a:r>
+              <a:endParaRPr lang="en-US" sz="1400" baseline="-25000"/>
+            </a:p>
+          </p:txBody>
+        </p:sp>
+        <p:sp>
+          <p:nvSpPr>
+            <p:cNvPr id="12" name="Rounded Rectangle 11"/>
+            <p:cNvSpPr/>
+            <p:nvPr/>
+          </p:nvSpPr>
+          <p:spPr>
+            <a:xfrm>
+              <a:off x="10535" y="5554"/>
+              <a:ext cx="1878" cy="553"/>
+            </a:xfrm>
+            <a:prstGeom prst="roundRect">
+              <a:avLst/>
+            </a:prstGeom>
+          </p:spPr>
+          <p:style>
+            <a:lnRef idx="2">
+              <a:schemeClr val="accent1">
+                <a:shade val="50000"/>
+              </a:schemeClr>
+            </a:lnRef>
+            <a:fillRef idx="1">
+              <a:schemeClr val="accent1"/>
+            </a:fillRef>
+            <a:effectRef idx="0">
+              <a:schemeClr val="accent1"/>
+            </a:effectRef>
+            <a:fontRef idx="minor">
+              <a:schemeClr val="lt1"/>
+            </a:fontRef>
+          </p:style>
+          <p:txBody>
+            <a:bodyPr rtlCol="0" anchor="ctr"/>
+            <a:p>
+              <a:pPr algn="ctr"/>
+              <a:r>
+                <a:rPr lang="en-US" sz="1400"/>
+                <a:t>Rep</a:t>
+              </a:r>
+              <a:endParaRPr lang="en-US" sz="1400"/>
+            </a:p>
+          </p:txBody>
+        </p:sp>
+        <p:cxnSp>
+          <p:nvCxnSpPr>
+            <p:cNvPr id="14" name="Straight Connector 13"/>
+            <p:cNvCxnSpPr>
+              <a:stCxn id="2" idx="2"/>
+              <a:endCxn id="12" idx="0"/>
+            </p:cNvCxnSpPr>
+            <p:nvPr/>
+          </p:nvCxnSpPr>
+          <p:spPr>
+            <a:xfrm>
+              <a:off x="8791" y="5141"/>
+              <a:ext cx="2702" cy="413"/>
+            </a:xfrm>
+            <a:prstGeom prst="line">
+              <a:avLst/>
+            </a:prstGeom>
+          </p:spPr>
+          <p:style>
+            <a:lnRef idx="1">
+              <a:schemeClr val="dk1"/>
+            </a:lnRef>
+            <a:fillRef idx="0">
+              <a:schemeClr val="dk1"/>
+            </a:fillRef>
+            <a:effectRef idx="0">
+              <a:schemeClr val="dk1"/>
+            </a:effectRef>
+            <a:fontRef idx="minor">
+              <a:schemeClr val="tx1"/>
+            </a:fontRef>
+          </p:style>
+        </p:cxnSp>
+        <p:sp>
+          <p:nvSpPr>
+            <p:cNvPr id="5" name="Rounded Rectangle 4"/>
+            <p:cNvSpPr/>
+            <p:nvPr/>
+          </p:nvSpPr>
+          <p:spPr>
+            <a:xfrm>
+              <a:off x="10797" y="4475"/>
+              <a:ext cx="1344" cy="667"/>
+            </a:xfrm>
+            <a:prstGeom prst="roundRect">
+              <a:avLst/>
+            </a:prstGeom>
+          </p:spPr>
+          <p:style>
+            <a:lnRef idx="2">
+              <a:schemeClr val="accent5">
+                <a:shade val="50000"/>
+              </a:schemeClr>
+            </a:lnRef>
+            <a:fillRef idx="1">
+              <a:schemeClr val="accent5"/>
+            </a:fillRef>
+            <a:effectRef idx="0">
+              <a:schemeClr val="accent5"/>
+            </a:effectRef>
+            <a:fontRef idx="minor">
+              <a:schemeClr val="lt1"/>
+            </a:fontRef>
+          </p:style>
+          <p:txBody>
+            <a:bodyPr rtlCol="0" anchor="ctr"/>
+            <a:p>
+              <a:pPr algn="ctr"/>
+              <a:r>
+                <a:rPr lang="en-US" sz="1400"/>
+                <a:t>GRU</a:t>
+              </a:r>
+              <a:endParaRPr lang="en-US" sz="1400" baseline="-25000"/>
+            </a:p>
+          </p:txBody>
+        </p:sp>
+        <p:sp>
+          <p:nvSpPr>
+            <p:cNvPr id="8" name="Rounded Rectangle 7"/>
+            <p:cNvSpPr/>
+            <p:nvPr/>
+          </p:nvSpPr>
+          <p:spPr>
+            <a:xfrm>
+              <a:off x="14226" y="4474"/>
+              <a:ext cx="1344" cy="667"/>
+            </a:xfrm>
+            <a:prstGeom prst="roundRect">
+              <a:avLst/>
+            </a:prstGeom>
+          </p:spPr>
+          <p:style>
+            <a:lnRef idx="2">
+              <a:schemeClr val="accent5">
+                <a:shade val="50000"/>
+              </a:schemeClr>
+            </a:lnRef>
+            <a:fillRef idx="1">
+              <a:schemeClr val="accent5"/>
+            </a:fillRef>
+            <a:effectRef idx="0">
+              <a:schemeClr val="accent5"/>
+            </a:effectRef>
+            <a:fontRef idx="minor">
+              <a:schemeClr val="lt1"/>
+            </a:fontRef>
+          </p:style>
+          <p:txBody>
+            <a:bodyPr rtlCol="0" anchor="ctr"/>
+            <a:p>
+              <a:pPr algn="ctr"/>
+              <a:r>
+                <a:rPr lang="en-US" sz="1400"/>
+                <a:t>GRU</a:t>
+              </a:r>
+              <a:endParaRPr lang="en-US" sz="1400" baseline="-25000"/>
+            </a:p>
+          </p:txBody>
+        </p:sp>
+        <p:cxnSp>
+          <p:nvCxnSpPr>
+            <p:cNvPr id="25" name="Straight Arrow Connector 24"/>
+            <p:cNvCxnSpPr>
+              <a:stCxn id="2" idx="3"/>
+              <a:endCxn id="5" idx="1"/>
+            </p:cNvCxnSpPr>
+            <p:nvPr/>
+          </p:nvCxnSpPr>
+          <p:spPr>
+            <a:xfrm>
+              <a:off x="9444" y="4808"/>
+              <a:ext cx="1353" cy="1"/>
+            </a:xfrm>
+            <a:prstGeom prst="straightConnector1">
+              <a:avLst/>
+            </a:prstGeom>
+            <a:ln>
+              <a:tailEnd type="arrow" w="med" len="med"/>
+            </a:ln>
+          </p:spPr>
+          <p:style>
+            <a:lnRef idx="1">
+              <a:schemeClr val="dk1"/>
+            </a:lnRef>
+            <a:fillRef idx="0">
+              <a:schemeClr val="dk1"/>
+            </a:fillRef>
+            <a:effectRef idx="0">
+              <a:schemeClr val="dk1"/>
+            </a:effectRef>
+            <a:fontRef idx="minor">
+              <a:schemeClr val="tx1"/>
+            </a:fontRef>
+          </p:style>
+        </p:cxnSp>
+        <p:cxnSp>
+          <p:nvCxnSpPr>
+            <p:cNvPr id="26" name="Straight Arrow Connector 25"/>
+            <p:cNvCxnSpPr>
+              <a:stCxn id="5" idx="3"/>
+              <a:endCxn id="8" idx="1"/>
+            </p:cNvCxnSpPr>
+            <p:nvPr/>
+          </p:nvCxnSpPr>
+          <p:spPr>
+            <a:xfrm flipV="1">
+              <a:off x="12141" y="4808"/>
+              <a:ext cx="2085" cy="1"/>
+            </a:xfrm>
+            <a:prstGeom prst="straightConnector1">
+              <a:avLst/>
+            </a:prstGeom>
+            <a:ln>
+              <a:tailEnd type="arrow" w="med" len="med"/>
+            </a:ln>
+          </p:spPr>
+          <p:style>
+            <a:lnRef idx="1">
+              <a:schemeClr val="dk1"/>
+            </a:lnRef>
+            <a:fillRef idx="0">
+              <a:schemeClr val="dk1"/>
+            </a:fillRef>
+            <a:effectRef idx="0">
+              <a:schemeClr val="dk1"/>
+            </a:effectRef>
+            <a:fontRef idx="minor">
+              <a:schemeClr val="tx1"/>
+            </a:fontRef>
+          </p:style>
+        </p:cxnSp>
+        <p:cxnSp>
+          <p:nvCxnSpPr>
+            <p:cNvPr id="33" name="Straight Connector 32"/>
+            <p:cNvCxnSpPr>
+              <a:stCxn id="12" idx="0"/>
+              <a:endCxn id="5" idx="2"/>
+            </p:cNvCxnSpPr>
+            <p:nvPr/>
+          </p:nvCxnSpPr>
+          <p:spPr>
+            <a:xfrm flipH="1" flipV="1">
+              <a:off x="11469" y="5142"/>
+              <a:ext cx="5" cy="412"/>
+            </a:xfrm>
+            <a:prstGeom prst="line">
+              <a:avLst/>
+            </a:prstGeom>
+          </p:spPr>
+          <p:style>
+            <a:lnRef idx="1">
+              <a:schemeClr val="dk1"/>
+            </a:lnRef>
+            <a:fillRef idx="0">
+              <a:schemeClr val="dk1"/>
+            </a:fillRef>
+            <a:effectRef idx="0">
+              <a:schemeClr val="dk1"/>
+            </a:effectRef>
+            <a:fontRef idx="minor">
+              <a:schemeClr val="tx1"/>
+            </a:fontRef>
+          </p:style>
+        </p:cxnSp>
+        <p:cxnSp>
+          <p:nvCxnSpPr>
+            <p:cNvPr id="37" name="Straight Connector 36"/>
+            <p:cNvCxnSpPr>
+              <a:stCxn id="8" idx="2"/>
+              <a:endCxn id="12" idx="0"/>
+            </p:cNvCxnSpPr>
+            <p:nvPr/>
+          </p:nvCxnSpPr>
+          <p:spPr>
+            <a:xfrm flipH="1">
+              <a:off x="11474" y="5141"/>
+              <a:ext cx="3424" cy="413"/>
+            </a:xfrm>
+            <a:prstGeom prst="line">
+              <a:avLst/>
+            </a:prstGeom>
+          </p:spPr>
+          <p:style>
+            <a:lnRef idx="1">
+              <a:schemeClr val="dk1"/>
+            </a:lnRef>
+            <a:fillRef idx="0">
+              <a:schemeClr val="dk1"/>
+            </a:fillRef>
+            <a:effectRef idx="0">
+              <a:schemeClr val="dk1"/>
+            </a:effectRef>
+            <a:fontRef idx="minor">
+              <a:schemeClr val="tx1"/>
+            </a:fontRef>
+          </p:style>
+        </p:cxnSp>
+        <p:sp>
+          <p:nvSpPr>
+            <p:cNvPr id="39" name="Rounded Rectangle 38"/>
+            <p:cNvSpPr/>
+            <p:nvPr/>
+          </p:nvSpPr>
+          <p:spPr>
+            <a:xfrm>
+              <a:off x="13705" y="3094"/>
+              <a:ext cx="1344" cy="667"/>
+            </a:xfrm>
+            <a:prstGeom prst="roundRect">
+              <a:avLst/>
+            </a:prstGeom>
+          </p:spPr>
+          <p:style>
+            <a:lnRef idx="2">
+              <a:schemeClr val="accent5">
+                <a:shade val="50000"/>
+              </a:schemeClr>
+            </a:lnRef>
+            <a:fillRef idx="1">
+              <a:schemeClr val="accent5"/>
+            </a:fillRef>
+            <a:effectRef idx="0">
+              <a:schemeClr val="accent5"/>
+            </a:effectRef>
+            <a:fontRef idx="minor">
+              <a:schemeClr val="lt1"/>
+            </a:fontRef>
+          </p:style>
+          <p:txBody>
+            <a:bodyPr rtlCol="0" anchor="ctr"/>
+            <a:p>
+              <a:pPr algn="ctr"/>
+              <a:r>
+                <a:rPr lang="en-US" sz="1400"/>
+                <a:t>Linear</a:t>
+              </a:r>
+              <a:endParaRPr lang="en-US" sz="1400"/>
+            </a:p>
+          </p:txBody>
+        </p:sp>
+        <p:sp>
+          <p:nvSpPr>
+            <p:cNvPr id="48" name="Rounded Rectangle 47"/>
+            <p:cNvSpPr/>
+            <p:nvPr/>
+          </p:nvSpPr>
+          <p:spPr>
+            <a:xfrm>
+              <a:off x="9988" y="6357"/>
+              <a:ext cx="2971" cy="937"/>
+            </a:xfrm>
+            <a:prstGeom prst="roundRect">
+              <a:avLst/>
+            </a:prstGeom>
+          </p:spPr>
+          <p:style>
+            <a:lnRef idx="2">
+              <a:schemeClr val="accent6">
+                <a:shade val="50000"/>
+              </a:schemeClr>
+            </a:lnRef>
+            <a:fillRef idx="1">
+              <a:schemeClr val="accent6"/>
+            </a:fillRef>
+            <a:effectRef idx="0">
+              <a:schemeClr val="accent6"/>
+            </a:effectRef>
+            <a:fontRef idx="minor">
+              <a:schemeClr val="lt1"/>
+            </a:fontRef>
+          </p:style>
+          <p:txBody>
+            <a:bodyPr rtlCol="0" anchor="ctr"/>
+            <a:p>
+              <a:pPr algn="ctr"/>
+              <a:r>
+                <a:rPr lang="en-US" sz="1400"/>
+                <a:t>Multi-Feature Encoder</a:t>
+              </a:r>
+              <a:endParaRPr lang="en-US" sz="1400" baseline="-25000"/>
+            </a:p>
+          </p:txBody>
+        </p:sp>
+        <p:cxnSp>
+          <p:nvCxnSpPr>
+            <p:cNvPr id="49" name="Straight Connector 48"/>
+            <p:cNvCxnSpPr>
+              <a:stCxn id="48" idx="0"/>
+              <a:endCxn id="12" idx="2"/>
+            </p:cNvCxnSpPr>
+            <p:nvPr/>
+          </p:nvCxnSpPr>
+          <p:spPr>
+            <a:xfrm flipV="1">
+              <a:off x="11493" y="6107"/>
+              <a:ext cx="0" cy="250"/>
+            </a:xfrm>
+            <a:prstGeom prst="line">
+              <a:avLst/>
+            </a:prstGeom>
+          </p:spPr>
+          <p:style>
+            <a:lnRef idx="1">
+              <a:schemeClr val="dk1"/>
+            </a:lnRef>
+            <a:fillRef idx="0">
+              <a:schemeClr val="dk1"/>
+            </a:fillRef>
+            <a:effectRef idx="0">
+              <a:schemeClr val="dk1"/>
+            </a:effectRef>
+            <a:fontRef idx="minor">
+              <a:schemeClr val="tx1"/>
+            </a:fontRef>
+          </p:style>
+        </p:cxnSp>
+        <p:sp>
+          <p:nvSpPr>
+            <p:cNvPr id="50" name="Rounded Rectangle 49"/>
+            <p:cNvSpPr/>
+            <p:nvPr/>
+          </p:nvSpPr>
+          <p:spPr>
+            <a:xfrm>
+              <a:off x="10530" y="7612"/>
+              <a:ext cx="1878" cy="553"/>
+            </a:xfrm>
+            <a:prstGeom prst="roundRect">
+              <a:avLst/>
+            </a:prstGeom>
+          </p:spPr>
+          <p:style>
+            <a:lnRef idx="2">
+              <a:schemeClr val="accent1">
+                <a:shade val="50000"/>
+              </a:schemeClr>
+            </a:lnRef>
+            <a:fillRef idx="1">
+              <a:schemeClr val="accent1"/>
+            </a:fillRef>
+            <a:effectRef idx="0">
+              <a:schemeClr val="accent1"/>
+            </a:effectRef>
+            <a:fontRef idx="minor">
+              <a:schemeClr val="lt1"/>
+            </a:fontRef>
+          </p:style>
+          <p:txBody>
+            <a:bodyPr rtlCol="0" anchor="ctr"/>
+            <a:p>
+              <a:pPr algn="ctr"/>
+              <a:r>
+                <a:rPr lang="en-US" sz="1400"/>
+                <a:t>Input</a:t>
+              </a:r>
+              <a:endParaRPr lang="en-US" sz="1400"/>
+            </a:p>
+          </p:txBody>
+        </p:sp>
+        <p:cxnSp>
+          <p:nvCxnSpPr>
+            <p:cNvPr id="53" name="Straight Connector 52"/>
+            <p:cNvCxnSpPr>
+              <a:stCxn id="50" idx="0"/>
+              <a:endCxn id="48" idx="2"/>
+            </p:cNvCxnSpPr>
+            <p:nvPr/>
+          </p:nvCxnSpPr>
+          <p:spPr>
+            <a:xfrm flipV="1">
+              <a:off x="11488" y="7294"/>
+              <a:ext cx="5" cy="318"/>
+            </a:xfrm>
+            <a:prstGeom prst="line">
+              <a:avLst/>
+            </a:prstGeom>
+          </p:spPr>
+          <p:style>
+            <a:lnRef idx="1">
+              <a:schemeClr val="dk1"/>
+            </a:lnRef>
+            <a:fillRef idx="0">
+              <a:schemeClr val="dk1"/>
+            </a:fillRef>
+            <a:effectRef idx="0">
+              <a:schemeClr val="dk1"/>
+            </a:effectRef>
+            <a:fontRef idx="minor">
+              <a:schemeClr val="tx1"/>
+            </a:fontRef>
+          </p:style>
+        </p:cxnSp>
+        <p:sp>
+          <p:nvSpPr>
+            <p:cNvPr id="3" name="Rounded Rectangle 2"/>
+            <p:cNvSpPr/>
+            <p:nvPr/>
+          </p:nvSpPr>
+          <p:spPr>
+            <a:xfrm>
+              <a:off x="645" y="6230"/>
+              <a:ext cx="2382" cy="880"/>
+            </a:xfrm>
+            <a:prstGeom prst="roundRect">
+              <a:avLst/>
+            </a:prstGeom>
+          </p:spPr>
+          <p:style>
+            <a:lnRef idx="2">
+              <a:schemeClr val="accent1">
+                <a:shade val="50000"/>
+              </a:schemeClr>
+            </a:lnRef>
+            <a:fillRef idx="1">
+              <a:schemeClr val="accent1"/>
+            </a:fillRef>
+            <a:effectRef idx="0">
+              <a:schemeClr val="accent1"/>
+            </a:effectRef>
+            <a:fontRef idx="minor">
+              <a:schemeClr val="lt1"/>
+            </a:fontRef>
+          </p:style>
+          <p:txBody>
+            <a:bodyPr rtlCol="0" anchor="ctr"/>
+            <a:p>
+              <a:pPr algn="ctr"/>
+              <a:r>
+                <a:rPr lang="en-US" sz="1400"/>
+                <a:t>Previous Label Embedding</a:t>
+              </a:r>
+              <a:endParaRPr lang="en-US" sz="1400"/>
+            </a:p>
+          </p:txBody>
+        </p:sp>
+        <p:sp>
+          <p:nvSpPr>
+            <p:cNvPr id="6" name="Rounded Rectangle 5"/>
+            <p:cNvSpPr/>
+            <p:nvPr/>
+          </p:nvSpPr>
+          <p:spPr>
+            <a:xfrm>
+              <a:off x="3878" y="6230"/>
+              <a:ext cx="2382" cy="880"/>
+            </a:xfrm>
+            <a:prstGeom prst="roundRect">
+              <a:avLst/>
+            </a:prstGeom>
+          </p:spPr>
+          <p:style>
+            <a:lnRef idx="2">
+              <a:schemeClr val="accent1">
+                <a:shade val="50000"/>
+              </a:schemeClr>
+            </a:lnRef>
+            <a:fillRef idx="1">
+              <a:schemeClr val="accent1"/>
+            </a:fillRef>
+            <a:effectRef idx="0">
+              <a:schemeClr val="accent1"/>
+            </a:effectRef>
+            <a:fontRef idx="minor">
+              <a:schemeClr val="lt1"/>
+            </a:fontRef>
+          </p:style>
+          <p:txBody>
+            <a:bodyPr rtlCol="0" anchor="ctr"/>
+            <a:p>
+              <a:pPr algn="ctr"/>
+              <a:r>
+                <a:rPr lang="en-US" sz="1400"/>
+                <a:t>Current Label Embedding</a:t>
+              </a:r>
+              <a:endParaRPr lang="en-US" sz="1400"/>
+            </a:p>
+          </p:txBody>
+        </p:sp>
+        <p:sp>
+          <p:nvSpPr>
+            <p:cNvPr id="7" name="Oval 6"/>
+            <p:cNvSpPr/>
+            <p:nvPr/>
+          </p:nvSpPr>
+          <p:spPr>
+            <a:xfrm>
+              <a:off x="3274" y="6485"/>
+              <a:ext cx="354" cy="371"/>
+            </a:xfrm>
+            <a:prstGeom prst="ellipse">
+              <a:avLst/>
+            </a:prstGeom>
+          </p:spPr>
+          <p:style>
+            <a:lnRef idx="2">
+              <a:schemeClr val="dk1"/>
+            </a:lnRef>
+            <a:fillRef idx="1">
+              <a:schemeClr val="lt1"/>
+            </a:fillRef>
+            <a:effectRef idx="0">
+              <a:schemeClr val="dk1"/>
+            </a:effectRef>
+            <a:fontRef idx="minor">
+              <a:schemeClr val="dk1"/>
+            </a:fontRef>
+          </p:style>
+          <p:txBody>
+            <a:bodyPr rtlCol="0" anchor="ctr"/>
+            <a:p>
+              <a:pPr algn="ctr"/>
+              <a:endParaRPr lang="en-US"/>
+            </a:p>
+          </p:txBody>
+        </p:sp>
+        <p:cxnSp>
+          <p:nvCxnSpPr>
+            <p:cNvPr id="9" name="Straight Connector 8"/>
+            <p:cNvCxnSpPr>
+              <a:stCxn id="7" idx="2"/>
+              <a:endCxn id="7" idx="6"/>
+            </p:cNvCxnSpPr>
+            <p:nvPr/>
+          </p:nvCxnSpPr>
+          <p:spPr>
+            <a:xfrm>
+              <a:off x="3274" y="6690"/>
+              <a:ext cx="354" cy="0"/>
+            </a:xfrm>
+            <a:prstGeom prst="line">
+              <a:avLst/>
+            </a:prstGeom>
+            <a:ln w="31750"/>
+          </p:spPr>
+          <p:style>
+            <a:lnRef idx="1">
+              <a:schemeClr val="dk1"/>
+            </a:lnRef>
+            <a:fillRef idx="0">
+              <a:schemeClr val="dk1"/>
+            </a:fillRef>
+            <a:effectRef idx="0">
+              <a:schemeClr val="dk1"/>
+            </a:effectRef>
+            <a:fontRef idx="minor">
+              <a:schemeClr val="tx1"/>
+            </a:fontRef>
+          </p:style>
+        </p:cxnSp>
+        <p:cxnSp>
+          <p:nvCxnSpPr>
+            <p:cNvPr id="10" name="Straight Connector 9"/>
+            <p:cNvCxnSpPr/>
+            <p:nvPr/>
+          </p:nvCxnSpPr>
+          <p:spPr>
+            <a:xfrm>
+              <a:off x="3451" y="6495"/>
+              <a:ext cx="0" cy="371"/>
+            </a:xfrm>
+            <a:prstGeom prst="line">
+              <a:avLst/>
+            </a:prstGeom>
+            <a:ln w="31750"/>
+          </p:spPr>
+          <p:style>
+            <a:lnRef idx="1">
+              <a:schemeClr val="dk1"/>
+            </a:lnRef>
+            <a:fillRef idx="0">
+              <a:schemeClr val="dk1"/>
+            </a:fillRef>
+            <a:effectRef idx="0">
+              <a:schemeClr val="dk1"/>
+            </a:effectRef>
+            <a:fontRef idx="minor">
+              <a:schemeClr val="tx1"/>
+            </a:fontRef>
+          </p:style>
+        </p:cxnSp>
+        <p:sp>
+          <p:nvSpPr>
+            <p:cNvPr id="13" name="Rounded Rectangle 12"/>
+            <p:cNvSpPr/>
+            <p:nvPr/>
+          </p:nvSpPr>
+          <p:spPr>
+            <a:xfrm>
+              <a:off x="2260" y="5039"/>
+              <a:ext cx="2382" cy="882"/>
+            </a:xfrm>
+            <a:prstGeom prst="roundRect">
+              <a:avLst/>
+            </a:prstGeom>
+          </p:spPr>
+          <p:style>
+            <a:lnRef idx="2">
+              <a:schemeClr val="accent1">
+                <a:shade val="50000"/>
+              </a:schemeClr>
+            </a:lnRef>
+            <a:fillRef idx="1">
+              <a:schemeClr val="accent1"/>
+            </a:fillRef>
+            <a:effectRef idx="0">
+              <a:schemeClr val="accent1"/>
+            </a:effectRef>
+            <a:fontRef idx="minor">
+              <a:schemeClr val="lt1"/>
+            </a:fontRef>
+          </p:style>
+          <p:txBody>
+            <a:bodyPr rtlCol="0" anchor="ctr"/>
+            <a:p>
+              <a:pPr algn="ctr"/>
+              <a:r>
+                <a:rPr lang="en-US" sz="1400"/>
+                <a:t>Fused Label Embedding</a:t>
+              </a:r>
+              <a:endParaRPr lang="en-US" sz="1400"/>
+            </a:p>
+          </p:txBody>
+        </p:sp>
+        <p:cxnSp>
+          <p:nvCxnSpPr>
+            <p:cNvPr id="16" name="Straight Connector 15"/>
+            <p:cNvCxnSpPr>
+              <a:stCxn id="7" idx="0"/>
+              <a:endCxn id="13" idx="2"/>
+            </p:cNvCxnSpPr>
+            <p:nvPr/>
+          </p:nvCxnSpPr>
+          <p:spPr>
+            <a:xfrm flipV="1">
+              <a:off x="3451" y="5940"/>
+              <a:ext cx="0" cy="564"/>
+            </a:xfrm>
+            <a:prstGeom prst="line">
+              <a:avLst/>
+            </a:prstGeom>
+          </p:spPr>
+          <p:style>
+            <a:lnRef idx="1">
+              <a:schemeClr val="dk1"/>
+            </a:lnRef>
+            <a:fillRef idx="0">
+              <a:schemeClr val="dk1"/>
+            </a:fillRef>
+            <a:effectRef idx="0">
+              <a:schemeClr val="dk1"/>
+            </a:effectRef>
+            <a:fontRef idx="minor">
+              <a:schemeClr val="tx1"/>
+            </a:fontRef>
+          </p:style>
+        </p:cxnSp>
+        <p:cxnSp>
+          <p:nvCxnSpPr>
+            <p:cNvPr id="17" name="Straight Connector 16"/>
+            <p:cNvCxnSpPr>
+              <a:stCxn id="3" idx="3"/>
+              <a:endCxn id="7" idx="2"/>
+            </p:cNvCxnSpPr>
+            <p:nvPr/>
+          </p:nvCxnSpPr>
+          <p:spPr>
+            <a:xfrm>
+              <a:off x="3027" y="6689"/>
+              <a:ext cx="247" cy="1"/>
+            </a:xfrm>
+            <a:prstGeom prst="line">
+              <a:avLst/>
+            </a:prstGeom>
+          </p:spPr>
+          <p:style>
+            <a:lnRef idx="1">
+              <a:schemeClr val="dk1"/>
+            </a:lnRef>
+            <a:fillRef idx="0">
+              <a:schemeClr val="dk1"/>
+            </a:fillRef>
+            <a:effectRef idx="0">
+              <a:schemeClr val="dk1"/>
+            </a:effectRef>
+            <a:fontRef idx="minor">
+              <a:schemeClr val="tx1"/>
+            </a:fontRef>
+          </p:style>
+        </p:cxnSp>
+        <p:cxnSp>
+          <p:nvCxnSpPr>
+            <p:cNvPr id="18" name="Straight Connector 17"/>
+            <p:cNvCxnSpPr>
+              <a:stCxn id="6" idx="1"/>
+              <a:endCxn id="7" idx="6"/>
+            </p:cNvCxnSpPr>
+            <p:nvPr/>
+          </p:nvCxnSpPr>
+          <p:spPr>
+            <a:xfrm flipH="1">
+              <a:off x="3628" y="6689"/>
+              <a:ext cx="250" cy="1"/>
+            </a:xfrm>
+            <a:prstGeom prst="line">
+              <a:avLst/>
+            </a:prstGeom>
+          </p:spPr>
+          <p:style>
+            <a:lnRef idx="1">
+              <a:schemeClr val="dk1"/>
+            </a:lnRef>
+            <a:fillRef idx="0">
+              <a:schemeClr val="dk1"/>
+            </a:fillRef>
+            <a:effectRef idx="0">
+              <a:schemeClr val="dk1"/>
+            </a:effectRef>
+            <a:fontRef idx="minor">
+              <a:schemeClr val="tx1"/>
+            </a:fontRef>
+          </p:style>
+        </p:cxnSp>
+        <p:sp>
+          <p:nvSpPr>
+            <p:cNvPr id="19" name="Rounded Rectangle 18"/>
+            <p:cNvSpPr/>
+            <p:nvPr/>
+          </p:nvSpPr>
+          <p:spPr>
+            <a:xfrm>
+              <a:off x="426" y="4760"/>
+              <a:ext cx="6051" cy="2962"/>
+            </a:xfrm>
+            <a:prstGeom prst="roundRect">
+              <a:avLst/>
+            </a:prstGeom>
+            <a:noFill/>
+            <a:ln w="28575">
+              <a:prstDash val="dash"/>
+            </a:ln>
+          </p:spPr>
+          <p:style>
+            <a:lnRef idx="2">
+              <a:schemeClr val="accent1">
+                <a:shade val="50000"/>
+              </a:schemeClr>
+            </a:lnRef>
+            <a:fillRef idx="1">
+              <a:schemeClr val="accent1"/>
+            </a:fillRef>
+            <a:effectRef idx="0">
+              <a:schemeClr val="accent1"/>
+            </a:effectRef>
+            <a:fontRef idx="minor">
+              <a:schemeClr val="lt1"/>
+            </a:fontRef>
+          </p:style>
+          <p:txBody>
+            <a:bodyPr rtlCol="0" anchor="ctr"/>
+            <a:p>
+              <a:pPr algn="ctr"/>
+              <a:endParaRPr lang="en-US"/>
+            </a:p>
+          </p:txBody>
+        </p:sp>
+        <p:sp>
+          <p:nvSpPr>
+            <p:cNvPr id="20" name="Text Box 19"/>
+            <p:cNvSpPr txBox="1"/>
+            <p:nvPr/>
+          </p:nvSpPr>
+          <p:spPr>
+            <a:xfrm>
+              <a:off x="2641" y="7212"/>
+              <a:ext cx="1622" cy="434"/>
+            </a:xfrm>
+            <a:prstGeom prst="rect">
+              <a:avLst/>
+            </a:prstGeom>
+            <a:noFill/>
+          </p:spPr>
+          <p:txBody>
+            <a:bodyPr wrap="square" rtlCol="0">
+              <a:spAutoFit/>
+            </a:bodyPr>
+            <a:p>
+              <a:r>
+                <a:rPr lang="en-US" sz="1200"/>
+                <a:t>Gate Layer</a:t>
+              </a:r>
+              <a:endParaRPr lang="en-US" sz="1200"/>
+            </a:p>
+          </p:txBody>
+        </p:sp>
+        <p:sp>
+          <p:nvSpPr>
+            <p:cNvPr id="21" name="Rounded Rectangle 20"/>
+            <p:cNvSpPr/>
+            <p:nvPr/>
+          </p:nvSpPr>
+          <p:spPr>
+            <a:xfrm>
+              <a:off x="10875" y="3032"/>
+              <a:ext cx="1344" cy="791"/>
+            </a:xfrm>
+            <a:prstGeom prst="roundRect">
+              <a:avLst/>
+            </a:prstGeom>
+          </p:spPr>
+          <p:style>
+            <a:lnRef idx="2">
+              <a:schemeClr val="accent5">
+                <a:shade val="50000"/>
+              </a:schemeClr>
+            </a:lnRef>
+            <a:fillRef idx="1">
+              <a:schemeClr val="accent5"/>
+            </a:fillRef>
+            <a:effectRef idx="0">
+              <a:schemeClr val="accent5"/>
+            </a:effectRef>
+            <a:fontRef idx="minor">
+              <a:schemeClr val="lt1"/>
+            </a:fontRef>
+          </p:style>
+          <p:txBody>
+            <a:bodyPr rtlCol="0" anchor="ctr"/>
+            <a:p>
+              <a:pPr algn="ctr"/>
+              <a:r>
+                <a:rPr lang="en-US" sz="1400"/>
+                <a:t>Gate Layer</a:t>
+              </a:r>
+              <a:endParaRPr lang="en-US" sz="1400" baseline="-25000"/>
+            </a:p>
+          </p:txBody>
+        </p:sp>
+        <p:sp>
+          <p:nvSpPr>
+            <p:cNvPr id="23" name="Rounded Rectangle 22"/>
+            <p:cNvSpPr/>
+            <p:nvPr/>
+          </p:nvSpPr>
+          <p:spPr>
+            <a:xfrm>
+              <a:off x="5814" y="2994"/>
+              <a:ext cx="2382" cy="880"/>
+            </a:xfrm>
+            <a:prstGeom prst="roundRect">
+              <a:avLst/>
+            </a:prstGeom>
+          </p:spPr>
+          <p:style>
+            <a:lnRef idx="2">
+              <a:schemeClr val="accent1">
+                <a:shade val="50000"/>
+              </a:schemeClr>
+            </a:lnRef>
+            <a:fillRef idx="1">
+              <a:schemeClr val="accent1"/>
+            </a:fillRef>
+            <a:effectRef idx="0">
+              <a:schemeClr val="accent1"/>
+            </a:effectRef>
+            <a:fontRef idx="minor">
+              <a:schemeClr val="lt1"/>
+            </a:fontRef>
+          </p:style>
+          <p:txBody>
+            <a:bodyPr rtlCol="0" anchor="ctr"/>
+            <a:p>
+              <a:pPr algn="ctr"/>
+              <a:r>
+                <a:rPr lang="en-US" sz="1400"/>
+                <a:t>Previous Label Embedding</a:t>
+              </a:r>
+              <a:endParaRPr lang="en-US" sz="1400"/>
+            </a:p>
+          </p:txBody>
+        </p:sp>
+        <p:cxnSp>
+          <p:nvCxnSpPr>
+            <p:cNvPr id="31" name="Straight Arrow Connector 30"/>
+            <p:cNvCxnSpPr>
+              <a:stCxn id="2" idx="0"/>
+              <a:endCxn id="21" idx="2"/>
+            </p:cNvCxnSpPr>
+            <p:nvPr/>
+          </p:nvCxnSpPr>
+          <p:spPr>
+            <a:xfrm flipV="1">
+              <a:off x="8772" y="3823"/>
+              <a:ext cx="2775" cy="651"/>
+            </a:xfrm>
+            <a:prstGeom prst="straightConnector1">
+              <a:avLst/>
+            </a:prstGeom>
+            <a:ln>
+              <a:tailEnd type="arrow" w="med" len="med"/>
+            </a:ln>
+          </p:spPr>
+          <p:style>
+            <a:lnRef idx="1">
+              <a:schemeClr val="dk1"/>
+            </a:lnRef>
+            <a:fillRef idx="0">
+              <a:schemeClr val="dk1"/>
+            </a:fillRef>
+            <a:effectRef idx="0">
+              <a:schemeClr val="dk1"/>
+            </a:effectRef>
+            <a:fontRef idx="minor">
+              <a:schemeClr val="tx1"/>
+            </a:fontRef>
+          </p:style>
+        </p:cxnSp>
+        <p:cxnSp>
+          <p:nvCxnSpPr>
+            <p:cNvPr id="32" name="Curved Connector 31"/>
+            <p:cNvCxnSpPr>
+              <a:stCxn id="2" idx="1"/>
+              <a:endCxn id="23" idx="2"/>
+            </p:cNvCxnSpPr>
+            <p:nvPr/>
+          </p:nvCxnSpPr>
+          <p:spPr>
+            <a:xfrm rot="10800000">
+              <a:off x="7005" y="3874"/>
+              <a:ext cx="1095" cy="934"/>
+            </a:xfrm>
+            <a:prstGeom prst="curvedConnector2">
+              <a:avLst/>
+            </a:prstGeom>
+            <a:ln>
+              <a:prstDash val="dash"/>
+              <a:tailEnd type="arrow" w="med" len="med"/>
+            </a:ln>
+          </p:spPr>
+          <p:style>
+            <a:lnRef idx="1">
+              <a:schemeClr val="dk1"/>
+            </a:lnRef>
+            <a:fillRef idx="0">
+              <a:schemeClr val="dk1"/>
+            </a:fillRef>
+            <a:effectRef idx="0">
+              <a:schemeClr val="dk1"/>
+            </a:effectRef>
+            <a:fontRef idx="minor">
+              <a:schemeClr val="tx1"/>
+            </a:fontRef>
+          </p:style>
+        </p:cxnSp>
+        <p:cxnSp>
+          <p:nvCxnSpPr>
+            <p:cNvPr id="34" name="Straight Arrow Connector 33"/>
+            <p:cNvCxnSpPr>
+              <a:stCxn id="23" idx="3"/>
+              <a:endCxn id="21" idx="1"/>
+            </p:cNvCxnSpPr>
+            <p:nvPr/>
+          </p:nvCxnSpPr>
+          <p:spPr>
+            <a:xfrm flipV="1">
+              <a:off x="8215" y="3428"/>
+              <a:ext cx="2679" cy="6"/>
+            </a:xfrm>
+            <a:prstGeom prst="straightConnector1">
+              <a:avLst/>
+            </a:prstGeom>
+            <a:ln>
+              <a:tailEnd type="arrow" w="med" len="med"/>
+            </a:ln>
+          </p:spPr>
+          <p:style>
+            <a:lnRef idx="1">
+              <a:schemeClr val="dk1"/>
+            </a:lnRef>
+            <a:fillRef idx="0">
+              <a:schemeClr val="dk1"/>
+            </a:fillRef>
+            <a:effectRef idx="0">
+              <a:schemeClr val="dk1"/>
+            </a:effectRef>
+            <a:fontRef idx="minor">
+              <a:schemeClr val="tx1"/>
+            </a:fontRef>
+          </p:style>
+        </p:cxnSp>
+        <p:cxnSp>
+          <p:nvCxnSpPr>
+            <p:cNvPr id="36" name="Curved Connector 35"/>
+            <p:cNvCxnSpPr>
+              <a:stCxn id="5" idx="0"/>
+              <a:endCxn id="23" idx="2"/>
+            </p:cNvCxnSpPr>
+            <p:nvPr/>
+          </p:nvCxnSpPr>
+          <p:spPr>
+            <a:xfrm rot="16200000" flipV="1">
+              <a:off x="8937" y="1943"/>
+              <a:ext cx="601" cy="4464"/>
+            </a:xfrm>
+            <a:prstGeom prst="curvedConnector3">
+              <a:avLst>
+                <a:gd name="adj1" fmla="val 50000"/>
+              </a:avLst>
+            </a:prstGeom>
+            <a:ln>
+              <a:prstDash val="dash"/>
+              <a:tailEnd type="arrow" w="med" len="med"/>
+            </a:ln>
+          </p:spPr>
+          <p:style>
+            <a:lnRef idx="1">
+              <a:schemeClr val="dk1"/>
+            </a:lnRef>
+            <a:fillRef idx="0">
+              <a:schemeClr val="dk1"/>
+            </a:fillRef>
+            <a:effectRef idx="0">
+              <a:schemeClr val="dk1"/>
+            </a:effectRef>
+            <a:fontRef idx="minor">
+              <a:schemeClr val="tx1"/>
+            </a:fontRef>
+          </p:style>
+        </p:cxnSp>
+        <p:cxnSp>
+          <p:nvCxnSpPr>
+            <p:cNvPr id="40" name="Curved Connector 39"/>
+            <p:cNvCxnSpPr>
+              <a:stCxn id="8" idx="0"/>
+              <a:endCxn id="23" idx="2"/>
+            </p:cNvCxnSpPr>
+            <p:nvPr/>
+          </p:nvCxnSpPr>
+          <p:spPr>
+            <a:xfrm rot="16200000" flipV="1">
+              <a:off x="10652" y="228"/>
+              <a:ext cx="600" cy="7893"/>
+            </a:xfrm>
+            <a:prstGeom prst="curvedConnector3">
+              <a:avLst>
+                <a:gd name="adj1" fmla="val 50083"/>
+              </a:avLst>
+            </a:prstGeom>
+            <a:ln>
+              <a:prstDash val="dash"/>
+              <a:tailEnd type="arrow" w="med" len="med"/>
+            </a:ln>
+          </p:spPr>
+          <p:style>
+            <a:lnRef idx="1">
+              <a:schemeClr val="dk1"/>
+            </a:lnRef>
+            <a:fillRef idx="0">
+              <a:schemeClr val="dk1"/>
+            </a:fillRef>
+            <a:effectRef idx="0">
+              <a:schemeClr val="dk1"/>
+            </a:effectRef>
+            <a:fontRef idx="minor">
+              <a:schemeClr val="tx1"/>
+            </a:fontRef>
+          </p:style>
+        </p:cxnSp>
+        <p:cxnSp>
+          <p:nvCxnSpPr>
+            <p:cNvPr id="41" name="Straight Arrow Connector 40"/>
+            <p:cNvCxnSpPr>
+              <a:endCxn id="21" idx="2"/>
+            </p:cNvCxnSpPr>
+            <p:nvPr/>
+          </p:nvCxnSpPr>
+          <p:spPr>
+            <a:xfrm flipH="1" flipV="1">
+              <a:off x="11547" y="3823"/>
+              <a:ext cx="497" cy="630"/>
+            </a:xfrm>
+            <a:prstGeom prst="straightConnector1">
+              <a:avLst/>
+            </a:prstGeom>
+            <a:ln>
+              <a:tailEnd type="arrow" w="med" len="med"/>
+            </a:ln>
+          </p:spPr>
+          <p:style>
+            <a:lnRef idx="1">
+              <a:schemeClr val="dk1"/>
+            </a:lnRef>
+            <a:fillRef idx="0">
+              <a:schemeClr val="dk1"/>
+            </a:fillRef>
+            <a:effectRef idx="0">
+              <a:schemeClr val="dk1"/>
+            </a:effectRef>
+            <a:fontRef idx="minor">
+              <a:schemeClr val="tx1"/>
+            </a:fontRef>
+          </p:style>
+        </p:cxnSp>
+        <p:cxnSp>
+          <p:nvCxnSpPr>
+            <p:cNvPr id="42" name="Straight Arrow Connector 41"/>
+            <p:cNvCxnSpPr>
+              <a:stCxn id="8" idx="0"/>
+              <a:endCxn id="21" idx="2"/>
+            </p:cNvCxnSpPr>
+            <p:nvPr/>
+          </p:nvCxnSpPr>
+          <p:spPr>
+            <a:xfrm flipH="1" flipV="1">
+              <a:off x="11547" y="3823"/>
+              <a:ext cx="3351" cy="651"/>
+            </a:xfrm>
+            <a:prstGeom prst="straightConnector1">
+              <a:avLst/>
+            </a:prstGeom>
+            <a:ln>
+              <a:tailEnd type="arrow" w="med" len="med"/>
+            </a:ln>
+          </p:spPr>
+          <p:style>
+            <a:lnRef idx="1">
+              <a:schemeClr val="dk1"/>
+            </a:lnRef>
+            <a:fillRef idx="0">
+              <a:schemeClr val="dk1"/>
+            </a:fillRef>
+            <a:effectRef idx="0">
+              <a:schemeClr val="dk1"/>
+            </a:effectRef>
+            <a:fontRef idx="minor">
+              <a:schemeClr val="tx1"/>
+            </a:fontRef>
+          </p:style>
+        </p:cxnSp>
+        <p:cxnSp>
+          <p:nvCxnSpPr>
+            <p:cNvPr id="43" name="Straight Arrow Connector 42"/>
+            <p:cNvCxnSpPr>
+              <a:stCxn id="21" idx="3"/>
+              <a:endCxn id="39" idx="1"/>
+            </p:cNvCxnSpPr>
+            <p:nvPr/>
+          </p:nvCxnSpPr>
+          <p:spPr>
+            <a:xfrm>
+              <a:off x="12238" y="3428"/>
+              <a:ext cx="1486" cy="0"/>
+            </a:xfrm>
+            <a:prstGeom prst="straightConnector1">
+              <a:avLst/>
+            </a:prstGeom>
+            <a:ln>
+              <a:tailEnd type="arrow" w="med" len="med"/>
+            </a:ln>
+          </p:spPr>
+          <p:style>
+            <a:lnRef idx="1">
+              <a:schemeClr val="dk1"/>
+            </a:lnRef>
+            <a:fillRef idx="0">
+              <a:schemeClr val="dk1"/>
+            </a:fillRef>
+            <a:effectRef idx="0">
+              <a:schemeClr val="dk1"/>
+            </a:effectRef>
+            <a:fontRef idx="minor">
+              <a:schemeClr val="tx1"/>
+            </a:fontRef>
+          </p:style>
+        </p:cxnSp>
       </p:grpSp>
     </p:spTree>
   </p:cSld>
